--- a/static/img/icon.pptx
+++ b/static/img/icon.pptx
@@ -243,7 +243,7 @@
           <a:p>
             <a:fld id="{6733E159-36BB-482D-9737-C985A1623D25}" type="datetimeFigureOut">
               <a:rPr lang="zh-CN" altLang="en-US" smtClean="0"/>
-              <a:t>2022/8/20</a:t>
+              <a:t>2022/9/5</a:t>
             </a:fld>
             <a:endParaRPr lang="zh-CN" altLang="en-US"/>
           </a:p>
@@ -413,7 +413,7 @@
           <a:p>
             <a:fld id="{6733E159-36BB-482D-9737-C985A1623D25}" type="datetimeFigureOut">
               <a:rPr lang="zh-CN" altLang="en-US" smtClean="0"/>
-              <a:t>2022/8/20</a:t>
+              <a:t>2022/9/5</a:t>
             </a:fld>
             <a:endParaRPr lang="zh-CN" altLang="en-US"/>
           </a:p>
@@ -593,7 +593,7 @@
           <a:p>
             <a:fld id="{6733E159-36BB-482D-9737-C985A1623D25}" type="datetimeFigureOut">
               <a:rPr lang="zh-CN" altLang="en-US" smtClean="0"/>
-              <a:t>2022/8/20</a:t>
+              <a:t>2022/9/5</a:t>
             </a:fld>
             <a:endParaRPr lang="zh-CN" altLang="en-US"/>
           </a:p>
@@ -763,7 +763,7 @@
           <a:p>
             <a:fld id="{6733E159-36BB-482D-9737-C985A1623D25}" type="datetimeFigureOut">
               <a:rPr lang="zh-CN" altLang="en-US" smtClean="0"/>
-              <a:t>2022/8/20</a:t>
+              <a:t>2022/9/5</a:t>
             </a:fld>
             <a:endParaRPr lang="zh-CN" altLang="en-US"/>
           </a:p>
@@ -1007,7 +1007,7 @@
           <a:p>
             <a:fld id="{6733E159-36BB-482D-9737-C985A1623D25}" type="datetimeFigureOut">
               <a:rPr lang="zh-CN" altLang="en-US" smtClean="0"/>
-              <a:t>2022/8/20</a:t>
+              <a:t>2022/9/5</a:t>
             </a:fld>
             <a:endParaRPr lang="zh-CN" altLang="en-US"/>
           </a:p>
@@ -1239,7 +1239,7 @@
           <a:p>
             <a:fld id="{6733E159-36BB-482D-9737-C985A1623D25}" type="datetimeFigureOut">
               <a:rPr lang="zh-CN" altLang="en-US" smtClean="0"/>
-              <a:t>2022/8/20</a:t>
+              <a:t>2022/9/5</a:t>
             </a:fld>
             <a:endParaRPr lang="zh-CN" altLang="en-US"/>
           </a:p>
@@ -1606,7 +1606,7 @@
           <a:p>
             <a:fld id="{6733E159-36BB-482D-9737-C985A1623D25}" type="datetimeFigureOut">
               <a:rPr lang="zh-CN" altLang="en-US" smtClean="0"/>
-              <a:t>2022/8/20</a:t>
+              <a:t>2022/9/5</a:t>
             </a:fld>
             <a:endParaRPr lang="zh-CN" altLang="en-US"/>
           </a:p>
@@ -1724,7 +1724,7 @@
           <a:p>
             <a:fld id="{6733E159-36BB-482D-9737-C985A1623D25}" type="datetimeFigureOut">
               <a:rPr lang="zh-CN" altLang="en-US" smtClean="0"/>
-              <a:t>2022/8/20</a:t>
+              <a:t>2022/9/5</a:t>
             </a:fld>
             <a:endParaRPr lang="zh-CN" altLang="en-US"/>
           </a:p>
@@ -1819,7 +1819,7 @@
           <a:p>
             <a:fld id="{6733E159-36BB-482D-9737-C985A1623D25}" type="datetimeFigureOut">
               <a:rPr lang="zh-CN" altLang="en-US" smtClean="0"/>
-              <a:t>2022/8/20</a:t>
+              <a:t>2022/9/5</a:t>
             </a:fld>
             <a:endParaRPr lang="zh-CN" altLang="en-US"/>
           </a:p>
@@ -2096,7 +2096,7 @@
           <a:p>
             <a:fld id="{6733E159-36BB-482D-9737-C985A1623D25}" type="datetimeFigureOut">
               <a:rPr lang="zh-CN" altLang="en-US" smtClean="0"/>
-              <a:t>2022/8/20</a:t>
+              <a:t>2022/9/5</a:t>
             </a:fld>
             <a:endParaRPr lang="zh-CN" altLang="en-US"/>
           </a:p>
@@ -2353,7 +2353,7 @@
           <a:p>
             <a:fld id="{6733E159-36BB-482D-9737-C985A1623D25}" type="datetimeFigureOut">
               <a:rPr lang="zh-CN" altLang="en-US" smtClean="0"/>
-              <a:t>2022/8/20</a:t>
+              <a:t>2022/9/5</a:t>
             </a:fld>
             <a:endParaRPr lang="zh-CN" altLang="en-US"/>
           </a:p>
@@ -2566,7 +2566,7 @@
           <a:p>
             <a:fld id="{6733E159-36BB-482D-9737-C985A1623D25}" type="datetimeFigureOut">
               <a:rPr lang="zh-CN" altLang="en-US" smtClean="0"/>
-              <a:t>2022/8/20</a:t>
+              <a:t>2022/9/5</a:t>
             </a:fld>
             <a:endParaRPr lang="zh-CN" altLang="en-US"/>
           </a:p>
@@ -2960,8 +2960,9 @@
     <p:bg>
       <p:bgPr>
         <a:solidFill>
-          <a:schemeClr val="bg1">
-            <a:lumMod val="85000"/>
+          <a:schemeClr val="accent1">
+            <a:lumMod val="40000"/>
+            <a:lumOff val="60000"/>
           </a:schemeClr>
         </a:solidFill>
         <a:effectLst/>
@@ -4129,6 +4130,1306 @@
           </p:txBody>
         </p:sp>
       </p:grpSp>
+      <p:grpSp>
+        <p:nvGrpSpPr>
+          <p:cNvPr id="13" name="组合 12">
+            <a:extLst>
+              <a:ext uri="{FF2B5EF4-FFF2-40B4-BE49-F238E27FC236}">
+                <a16:creationId xmlns:a16="http://schemas.microsoft.com/office/drawing/2014/main" id="{E5F6CBC1-E893-4536-BA58-43159A1BA9E2}"/>
+              </a:ext>
+            </a:extLst>
+          </p:cNvPr>
+          <p:cNvGrpSpPr/>
+          <p:nvPr/>
+        </p:nvGrpSpPr>
+        <p:grpSpPr>
+          <a:xfrm>
+            <a:off x="1598621" y="3817707"/>
+            <a:ext cx="732884" cy="537299"/>
+            <a:chOff x="1598621" y="3817707"/>
+            <a:chExt cx="732884" cy="537299"/>
+          </a:xfrm>
+        </p:grpSpPr>
+        <p:sp>
+          <p:nvSpPr>
+            <p:cNvPr id="41" name="矩形 40">
+              <a:extLst>
+                <a:ext uri="{FF2B5EF4-FFF2-40B4-BE49-F238E27FC236}">
+                  <a16:creationId xmlns:a16="http://schemas.microsoft.com/office/drawing/2014/main" id="{C33E931A-260C-4142-8BA6-B82533D652F2}"/>
+                </a:ext>
+              </a:extLst>
+            </p:cNvPr>
+            <p:cNvSpPr/>
+            <p:nvPr/>
+          </p:nvSpPr>
+          <p:spPr>
+            <a:xfrm>
+              <a:off x="1598621" y="3817707"/>
+              <a:ext cx="732884" cy="537299"/>
+            </a:xfrm>
+            <a:prstGeom prst="rect">
+              <a:avLst/>
+            </a:prstGeom>
+            <a:solidFill>
+              <a:srgbClr val="E6E6E6"/>
+            </a:solidFill>
+            <a:ln>
+              <a:noFill/>
+            </a:ln>
+          </p:spPr>
+          <p:style>
+            <a:lnRef idx="2">
+              <a:schemeClr val="accent1">
+                <a:shade val="50000"/>
+              </a:schemeClr>
+            </a:lnRef>
+            <a:fillRef idx="1">
+              <a:schemeClr val="accent1"/>
+            </a:fillRef>
+            <a:effectRef idx="0">
+              <a:schemeClr val="accent1"/>
+            </a:effectRef>
+            <a:fontRef idx="minor">
+              <a:schemeClr val="lt1"/>
+            </a:fontRef>
+          </p:style>
+          <p:txBody>
+            <a:bodyPr rtlCol="0" anchor="ctr"/>
+            <a:lstStyle/>
+            <a:p>
+              <a:pPr algn="ctr"/>
+              <a:endParaRPr lang="zh-CN" altLang="en-US" sz="1351" dirty="0"/>
+            </a:p>
+          </p:txBody>
+        </p:sp>
+        <p:sp>
+          <p:nvSpPr>
+            <p:cNvPr id="27" name="矩形 26">
+              <a:extLst>
+                <a:ext uri="{FF2B5EF4-FFF2-40B4-BE49-F238E27FC236}">
+                  <a16:creationId xmlns:a16="http://schemas.microsoft.com/office/drawing/2014/main" id="{3B71A5D1-FBEB-4FA3-8FAB-622E08C65866}"/>
+                </a:ext>
+              </a:extLst>
+            </p:cNvPr>
+            <p:cNvSpPr/>
+            <p:nvPr/>
+          </p:nvSpPr>
+          <p:spPr>
+            <a:xfrm>
+              <a:off x="1702262" y="3953641"/>
+              <a:ext cx="525600" cy="360000"/>
+            </a:xfrm>
+            <a:prstGeom prst="rect">
+              <a:avLst/>
+            </a:prstGeom>
+            <a:solidFill>
+              <a:schemeClr val="bg1"/>
+            </a:solidFill>
+            <a:ln>
+              <a:noFill/>
+            </a:ln>
+          </p:spPr>
+          <p:style>
+            <a:lnRef idx="2">
+              <a:schemeClr val="accent1">
+                <a:shade val="50000"/>
+              </a:schemeClr>
+            </a:lnRef>
+            <a:fillRef idx="1">
+              <a:schemeClr val="accent1"/>
+            </a:fillRef>
+            <a:effectRef idx="0">
+              <a:schemeClr val="accent1"/>
+            </a:effectRef>
+            <a:fontRef idx="minor">
+              <a:schemeClr val="lt1"/>
+            </a:fontRef>
+          </p:style>
+          <p:txBody>
+            <a:bodyPr rtlCol="0" anchor="ctr"/>
+            <a:lstStyle/>
+            <a:p>
+              <a:pPr algn="ctr"/>
+              <a:endParaRPr lang="zh-CN" altLang="en-US" sz="1351" dirty="0"/>
+            </a:p>
+          </p:txBody>
+        </p:sp>
+        <p:grpSp>
+          <p:nvGrpSpPr>
+            <p:cNvPr id="5" name="组合 4">
+              <a:extLst>
+                <a:ext uri="{FF2B5EF4-FFF2-40B4-BE49-F238E27FC236}">
+                  <a16:creationId xmlns:a16="http://schemas.microsoft.com/office/drawing/2014/main" id="{92D02FA8-AE5F-4BA5-B13C-943D93A6A235}"/>
+                </a:ext>
+              </a:extLst>
+            </p:cNvPr>
+            <p:cNvGrpSpPr/>
+            <p:nvPr/>
+          </p:nvGrpSpPr>
+          <p:grpSpPr>
+            <a:xfrm>
+              <a:off x="1749062" y="4008823"/>
+              <a:ext cx="432000" cy="267294"/>
+              <a:chOff x="1872245" y="2488245"/>
+              <a:chExt cx="432000" cy="267294"/>
+            </a:xfrm>
+          </p:grpSpPr>
+          <p:sp>
+            <p:nvSpPr>
+              <p:cNvPr id="37" name="矩形 36">
+                <a:extLst>
+                  <a:ext uri="{FF2B5EF4-FFF2-40B4-BE49-F238E27FC236}">
+                    <a16:creationId xmlns:a16="http://schemas.microsoft.com/office/drawing/2014/main" id="{268F2093-13E4-4BC2-B50D-7033593E0472}"/>
+                  </a:ext>
+                </a:extLst>
+              </p:cNvPr>
+              <p:cNvSpPr/>
+              <p:nvPr/>
+            </p:nvSpPr>
+            <p:spPr>
+              <a:xfrm>
+                <a:off x="1872245" y="2488245"/>
+                <a:ext cx="432000" cy="34289"/>
+              </a:xfrm>
+              <a:prstGeom prst="rect">
+                <a:avLst/>
+              </a:prstGeom>
+              <a:solidFill>
+                <a:schemeClr val="bg1">
+                  <a:lumMod val="65000"/>
+                </a:schemeClr>
+              </a:solidFill>
+              <a:ln>
+                <a:noFill/>
+              </a:ln>
+            </p:spPr>
+            <p:style>
+              <a:lnRef idx="2">
+                <a:schemeClr val="accent1">
+                  <a:shade val="50000"/>
+                </a:schemeClr>
+              </a:lnRef>
+              <a:fillRef idx="1">
+                <a:schemeClr val="accent1"/>
+              </a:fillRef>
+              <a:effectRef idx="0">
+                <a:schemeClr val="accent1"/>
+              </a:effectRef>
+              <a:fontRef idx="minor">
+                <a:schemeClr val="lt1"/>
+              </a:fontRef>
+            </p:style>
+            <p:txBody>
+              <a:bodyPr rtlCol="0" anchor="ctr"/>
+              <a:lstStyle/>
+              <a:p>
+                <a:pPr algn="ctr"/>
+                <a:r>
+                  <a:rPr lang="en-US" altLang="zh-CN" sz="1351" dirty="0"/>
+                  <a:t> </a:t>
+                </a:r>
+                <a:endParaRPr lang="zh-CN" altLang="en-US" sz="1351" dirty="0"/>
+              </a:p>
+            </p:txBody>
+          </p:sp>
+          <p:sp>
+            <p:nvSpPr>
+              <p:cNvPr id="38" name="矩形 37">
+                <a:extLst>
+                  <a:ext uri="{FF2B5EF4-FFF2-40B4-BE49-F238E27FC236}">
+                    <a16:creationId xmlns:a16="http://schemas.microsoft.com/office/drawing/2014/main" id="{8761B3B7-C92F-4F50-9ABF-8963A29102E1}"/>
+                  </a:ext>
+                </a:extLst>
+              </p:cNvPr>
+              <p:cNvSpPr/>
+              <p:nvPr/>
+            </p:nvSpPr>
+            <p:spPr>
+              <a:xfrm>
+                <a:off x="1872245" y="2565913"/>
+                <a:ext cx="432000" cy="34289"/>
+              </a:xfrm>
+              <a:prstGeom prst="rect">
+                <a:avLst/>
+              </a:prstGeom>
+              <a:solidFill>
+                <a:schemeClr val="bg1">
+                  <a:lumMod val="65000"/>
+                </a:schemeClr>
+              </a:solidFill>
+              <a:ln>
+                <a:noFill/>
+              </a:ln>
+            </p:spPr>
+            <p:style>
+              <a:lnRef idx="2">
+                <a:schemeClr val="accent1">
+                  <a:shade val="50000"/>
+                </a:schemeClr>
+              </a:lnRef>
+              <a:fillRef idx="1">
+                <a:schemeClr val="accent1"/>
+              </a:fillRef>
+              <a:effectRef idx="0">
+                <a:schemeClr val="accent1"/>
+              </a:effectRef>
+              <a:fontRef idx="minor">
+                <a:schemeClr val="lt1"/>
+              </a:fontRef>
+            </p:style>
+            <p:txBody>
+              <a:bodyPr rtlCol="0" anchor="ctr"/>
+              <a:lstStyle/>
+              <a:p>
+                <a:pPr algn="ctr"/>
+                <a:r>
+                  <a:rPr lang="en-US" altLang="zh-CN" sz="1351" dirty="0"/>
+                  <a:t> </a:t>
+                </a:r>
+                <a:endParaRPr lang="zh-CN" altLang="en-US" sz="1351" dirty="0"/>
+              </a:p>
+            </p:txBody>
+          </p:sp>
+          <p:sp>
+            <p:nvSpPr>
+              <p:cNvPr id="39" name="矩形 38">
+                <a:extLst>
+                  <a:ext uri="{FF2B5EF4-FFF2-40B4-BE49-F238E27FC236}">
+                    <a16:creationId xmlns:a16="http://schemas.microsoft.com/office/drawing/2014/main" id="{BC383EFC-30E1-448F-B62B-8B324A457110}"/>
+                  </a:ext>
+                </a:extLst>
+              </p:cNvPr>
+              <p:cNvSpPr/>
+              <p:nvPr/>
+            </p:nvSpPr>
+            <p:spPr>
+              <a:xfrm>
+                <a:off x="1872245" y="2643581"/>
+                <a:ext cx="432000" cy="34289"/>
+              </a:xfrm>
+              <a:prstGeom prst="rect">
+                <a:avLst/>
+              </a:prstGeom>
+              <a:solidFill>
+                <a:schemeClr val="bg1">
+                  <a:lumMod val="65000"/>
+                </a:schemeClr>
+              </a:solidFill>
+              <a:ln>
+                <a:noFill/>
+              </a:ln>
+            </p:spPr>
+            <p:style>
+              <a:lnRef idx="2">
+                <a:schemeClr val="accent1">
+                  <a:shade val="50000"/>
+                </a:schemeClr>
+              </a:lnRef>
+              <a:fillRef idx="1">
+                <a:schemeClr val="accent1"/>
+              </a:fillRef>
+              <a:effectRef idx="0">
+                <a:schemeClr val="accent1"/>
+              </a:effectRef>
+              <a:fontRef idx="minor">
+                <a:schemeClr val="lt1"/>
+              </a:fontRef>
+            </p:style>
+            <p:txBody>
+              <a:bodyPr rtlCol="0" anchor="ctr"/>
+              <a:lstStyle/>
+              <a:p>
+                <a:pPr algn="ctr"/>
+                <a:r>
+                  <a:rPr lang="en-US" altLang="zh-CN" sz="1351" dirty="0"/>
+                  <a:t> </a:t>
+                </a:r>
+                <a:endParaRPr lang="zh-CN" altLang="en-US" sz="1351" dirty="0"/>
+              </a:p>
+            </p:txBody>
+          </p:sp>
+          <p:sp>
+            <p:nvSpPr>
+              <p:cNvPr id="40" name="矩形 39">
+                <a:extLst>
+                  <a:ext uri="{FF2B5EF4-FFF2-40B4-BE49-F238E27FC236}">
+                    <a16:creationId xmlns:a16="http://schemas.microsoft.com/office/drawing/2014/main" id="{DB0E7594-86B2-4A26-B016-81B560088A0B}"/>
+                  </a:ext>
+                </a:extLst>
+              </p:cNvPr>
+              <p:cNvSpPr/>
+              <p:nvPr/>
+            </p:nvSpPr>
+            <p:spPr>
+              <a:xfrm>
+                <a:off x="1872245" y="2721250"/>
+                <a:ext cx="432000" cy="34289"/>
+              </a:xfrm>
+              <a:prstGeom prst="rect">
+                <a:avLst/>
+              </a:prstGeom>
+              <a:solidFill>
+                <a:schemeClr val="bg1">
+                  <a:lumMod val="65000"/>
+                </a:schemeClr>
+              </a:solidFill>
+              <a:ln>
+                <a:noFill/>
+              </a:ln>
+            </p:spPr>
+            <p:style>
+              <a:lnRef idx="2">
+                <a:schemeClr val="accent1">
+                  <a:shade val="50000"/>
+                </a:schemeClr>
+              </a:lnRef>
+              <a:fillRef idx="1">
+                <a:schemeClr val="accent1"/>
+              </a:fillRef>
+              <a:effectRef idx="0">
+                <a:schemeClr val="accent1"/>
+              </a:effectRef>
+              <a:fontRef idx="minor">
+                <a:schemeClr val="lt1"/>
+              </a:fontRef>
+            </p:style>
+            <p:txBody>
+              <a:bodyPr rtlCol="0" anchor="ctr"/>
+              <a:lstStyle/>
+              <a:p>
+                <a:pPr algn="ctr"/>
+                <a:r>
+                  <a:rPr lang="en-US" altLang="zh-CN" sz="1351" dirty="0"/>
+                  <a:t> </a:t>
+                </a:r>
+                <a:endParaRPr lang="zh-CN" altLang="en-US" sz="1351" dirty="0"/>
+              </a:p>
+            </p:txBody>
+          </p:sp>
+        </p:grpSp>
+        <p:sp>
+          <p:nvSpPr>
+            <p:cNvPr id="36" name="矩形 35">
+              <a:extLst>
+                <a:ext uri="{FF2B5EF4-FFF2-40B4-BE49-F238E27FC236}">
+                  <a16:creationId xmlns:a16="http://schemas.microsoft.com/office/drawing/2014/main" id="{171AAF00-5AF0-43B9-A648-D6496630D4E7}"/>
+                </a:ext>
+              </a:extLst>
+            </p:cNvPr>
+            <p:cNvSpPr/>
+            <p:nvPr/>
+          </p:nvSpPr>
+          <p:spPr>
+            <a:xfrm>
+              <a:off x="1598621" y="3820776"/>
+              <a:ext cx="732884" cy="103396"/>
+            </a:xfrm>
+            <a:prstGeom prst="rect">
+              <a:avLst/>
+            </a:prstGeom>
+            <a:solidFill>
+              <a:schemeClr val="bg1">
+                <a:lumMod val="50000"/>
+              </a:schemeClr>
+            </a:solidFill>
+            <a:ln>
+              <a:noFill/>
+            </a:ln>
+          </p:spPr>
+          <p:style>
+            <a:lnRef idx="2">
+              <a:schemeClr val="accent1">
+                <a:shade val="50000"/>
+              </a:schemeClr>
+            </a:lnRef>
+            <a:fillRef idx="1">
+              <a:schemeClr val="accent1"/>
+            </a:fillRef>
+            <a:effectRef idx="0">
+              <a:schemeClr val="accent1"/>
+            </a:effectRef>
+            <a:fontRef idx="minor">
+              <a:schemeClr val="lt1"/>
+            </a:fontRef>
+          </p:style>
+          <p:txBody>
+            <a:bodyPr rtlCol="0" anchor="ctr"/>
+            <a:lstStyle/>
+            <a:p>
+              <a:pPr algn="ctr"/>
+              <a:endParaRPr lang="zh-CN" altLang="en-US" sz="1351" dirty="0"/>
+            </a:p>
+          </p:txBody>
+        </p:sp>
+      </p:grpSp>
+      <p:grpSp>
+        <p:nvGrpSpPr>
+          <p:cNvPr id="22" name="组合 21">
+            <a:extLst>
+              <a:ext uri="{FF2B5EF4-FFF2-40B4-BE49-F238E27FC236}">
+                <a16:creationId xmlns:a16="http://schemas.microsoft.com/office/drawing/2014/main" id="{2EB1AC53-904E-49FF-92B1-5D1A70F0F301}"/>
+              </a:ext>
+            </a:extLst>
+          </p:cNvPr>
+          <p:cNvGrpSpPr/>
+          <p:nvPr/>
+        </p:nvGrpSpPr>
+        <p:grpSpPr>
+          <a:xfrm>
+            <a:off x="1598620" y="2297129"/>
+            <a:ext cx="732884" cy="537299"/>
+            <a:chOff x="1598620" y="2297129"/>
+            <a:chExt cx="732884" cy="537299"/>
+          </a:xfrm>
+        </p:grpSpPr>
+        <p:sp>
+          <p:nvSpPr>
+            <p:cNvPr id="50" name="矩形 49">
+              <a:extLst>
+                <a:ext uri="{FF2B5EF4-FFF2-40B4-BE49-F238E27FC236}">
+                  <a16:creationId xmlns:a16="http://schemas.microsoft.com/office/drawing/2014/main" id="{D8A16F0E-3722-43E3-A1F1-2768D46C46D0}"/>
+                </a:ext>
+              </a:extLst>
+            </p:cNvPr>
+            <p:cNvSpPr/>
+            <p:nvPr/>
+          </p:nvSpPr>
+          <p:spPr>
+            <a:xfrm>
+              <a:off x="1598620" y="2297129"/>
+              <a:ext cx="732884" cy="537299"/>
+            </a:xfrm>
+            <a:prstGeom prst="rect">
+              <a:avLst/>
+            </a:prstGeom>
+            <a:solidFill>
+              <a:srgbClr val="E6E6E6"/>
+            </a:solidFill>
+            <a:ln>
+              <a:noFill/>
+            </a:ln>
+          </p:spPr>
+          <p:style>
+            <a:lnRef idx="2">
+              <a:schemeClr val="accent1">
+                <a:shade val="50000"/>
+              </a:schemeClr>
+            </a:lnRef>
+            <a:fillRef idx="1">
+              <a:schemeClr val="accent1"/>
+            </a:fillRef>
+            <a:effectRef idx="0">
+              <a:schemeClr val="accent1"/>
+            </a:effectRef>
+            <a:fontRef idx="minor">
+              <a:schemeClr val="lt1"/>
+            </a:fontRef>
+          </p:style>
+          <p:txBody>
+            <a:bodyPr rtlCol="0" anchor="ctr"/>
+            <a:lstStyle/>
+            <a:p>
+              <a:pPr algn="ctr"/>
+              <a:endParaRPr lang="zh-CN" altLang="en-US" sz="1351" dirty="0"/>
+            </a:p>
+          </p:txBody>
+        </p:sp>
+        <p:sp>
+          <p:nvSpPr>
+            <p:cNvPr id="43" name="矩形 42">
+              <a:extLst>
+                <a:ext uri="{FF2B5EF4-FFF2-40B4-BE49-F238E27FC236}">
+                  <a16:creationId xmlns:a16="http://schemas.microsoft.com/office/drawing/2014/main" id="{82A39DDA-4B1C-4D9D-8374-0A1CF71BAC8B}"/>
+                </a:ext>
+              </a:extLst>
+            </p:cNvPr>
+            <p:cNvSpPr/>
+            <p:nvPr/>
+          </p:nvSpPr>
+          <p:spPr>
+            <a:xfrm>
+              <a:off x="1705861" y="2331778"/>
+              <a:ext cx="518400" cy="468000"/>
+            </a:xfrm>
+            <a:prstGeom prst="rect">
+              <a:avLst/>
+            </a:prstGeom>
+            <a:solidFill>
+              <a:schemeClr val="bg1"/>
+            </a:solidFill>
+            <a:ln>
+              <a:noFill/>
+            </a:ln>
+          </p:spPr>
+          <p:style>
+            <a:lnRef idx="2">
+              <a:schemeClr val="accent1">
+                <a:shade val="50000"/>
+              </a:schemeClr>
+            </a:lnRef>
+            <a:fillRef idx="1">
+              <a:schemeClr val="accent1"/>
+            </a:fillRef>
+            <a:effectRef idx="0">
+              <a:schemeClr val="accent1"/>
+            </a:effectRef>
+            <a:fontRef idx="minor">
+              <a:schemeClr val="lt1"/>
+            </a:fontRef>
+          </p:style>
+          <p:txBody>
+            <a:bodyPr rtlCol="0" anchor="ctr"/>
+            <a:lstStyle/>
+            <a:p>
+              <a:pPr algn="ctr"/>
+              <a:endParaRPr lang="zh-CN" altLang="en-US" sz="1351" dirty="0"/>
+            </a:p>
+          </p:txBody>
+        </p:sp>
+        <p:grpSp>
+          <p:nvGrpSpPr>
+            <p:cNvPr id="44" name="组合 43">
+              <a:extLst>
+                <a:ext uri="{FF2B5EF4-FFF2-40B4-BE49-F238E27FC236}">
+                  <a16:creationId xmlns:a16="http://schemas.microsoft.com/office/drawing/2014/main" id="{E9D6D951-9A12-463F-A879-B3E94E6165B6}"/>
+                </a:ext>
+              </a:extLst>
+            </p:cNvPr>
+            <p:cNvGrpSpPr/>
+            <p:nvPr/>
+          </p:nvGrpSpPr>
+          <p:grpSpPr>
+            <a:xfrm>
+              <a:off x="1749052" y="2374347"/>
+              <a:ext cx="432010" cy="382865"/>
+              <a:chOff x="1002973" y="2022791"/>
+              <a:chExt cx="720000" cy="510486"/>
+            </a:xfrm>
+          </p:grpSpPr>
+          <p:sp>
+            <p:nvSpPr>
+              <p:cNvPr id="45" name="矩形 44">
+                <a:extLst>
+                  <a:ext uri="{FF2B5EF4-FFF2-40B4-BE49-F238E27FC236}">
+                    <a16:creationId xmlns:a16="http://schemas.microsoft.com/office/drawing/2014/main" id="{D81180A4-AF08-406D-833C-5434E9F68F24}"/>
+                  </a:ext>
+                </a:extLst>
+              </p:cNvPr>
+              <p:cNvSpPr/>
+              <p:nvPr/>
+            </p:nvSpPr>
+            <p:spPr>
+              <a:xfrm>
+                <a:off x="1002973" y="2022791"/>
+                <a:ext cx="720000" cy="45719"/>
+              </a:xfrm>
+              <a:prstGeom prst="rect">
+                <a:avLst/>
+              </a:prstGeom>
+              <a:solidFill>
+                <a:schemeClr val="bg1">
+                  <a:lumMod val="65000"/>
+                </a:schemeClr>
+              </a:solidFill>
+              <a:ln>
+                <a:noFill/>
+              </a:ln>
+            </p:spPr>
+            <p:style>
+              <a:lnRef idx="2">
+                <a:schemeClr val="accent1">
+                  <a:shade val="50000"/>
+                </a:schemeClr>
+              </a:lnRef>
+              <a:fillRef idx="1">
+                <a:schemeClr val="accent1"/>
+              </a:fillRef>
+              <a:effectRef idx="0">
+                <a:schemeClr val="accent1"/>
+              </a:effectRef>
+              <a:fontRef idx="minor">
+                <a:schemeClr val="lt1"/>
+              </a:fontRef>
+            </p:style>
+            <p:txBody>
+              <a:bodyPr rtlCol="0" anchor="ctr"/>
+              <a:lstStyle/>
+              <a:p>
+                <a:pPr algn="ctr"/>
+                <a:r>
+                  <a:rPr lang="en-US" altLang="zh-CN" sz="1351" dirty="0"/>
+                  <a:t> </a:t>
+                </a:r>
+                <a:endParaRPr lang="zh-CN" altLang="en-US" sz="1351" dirty="0"/>
+              </a:p>
+            </p:txBody>
+          </p:sp>
+          <p:sp>
+            <p:nvSpPr>
+              <p:cNvPr id="46" name="矩形 45">
+                <a:extLst>
+                  <a:ext uri="{FF2B5EF4-FFF2-40B4-BE49-F238E27FC236}">
+                    <a16:creationId xmlns:a16="http://schemas.microsoft.com/office/drawing/2014/main" id="{AB73173F-4251-420B-A160-AE28FB581FB0}"/>
+                  </a:ext>
+                </a:extLst>
+              </p:cNvPr>
+              <p:cNvSpPr/>
+              <p:nvPr/>
+            </p:nvSpPr>
+            <p:spPr>
+              <a:xfrm>
+                <a:off x="1002973" y="2138983"/>
+                <a:ext cx="720000" cy="45719"/>
+              </a:xfrm>
+              <a:prstGeom prst="rect">
+                <a:avLst/>
+              </a:prstGeom>
+              <a:solidFill>
+                <a:schemeClr val="bg1">
+                  <a:lumMod val="65000"/>
+                </a:schemeClr>
+              </a:solidFill>
+              <a:ln>
+                <a:noFill/>
+              </a:ln>
+            </p:spPr>
+            <p:style>
+              <a:lnRef idx="2">
+                <a:schemeClr val="accent1">
+                  <a:shade val="50000"/>
+                </a:schemeClr>
+              </a:lnRef>
+              <a:fillRef idx="1">
+                <a:schemeClr val="accent1"/>
+              </a:fillRef>
+              <a:effectRef idx="0">
+                <a:schemeClr val="accent1"/>
+              </a:effectRef>
+              <a:fontRef idx="minor">
+                <a:schemeClr val="lt1"/>
+              </a:fontRef>
+            </p:style>
+            <p:txBody>
+              <a:bodyPr rtlCol="0" anchor="ctr"/>
+              <a:lstStyle/>
+              <a:p>
+                <a:pPr algn="ctr"/>
+                <a:r>
+                  <a:rPr lang="en-US" altLang="zh-CN" sz="1351" dirty="0"/>
+                  <a:t> </a:t>
+                </a:r>
+                <a:endParaRPr lang="zh-CN" altLang="en-US" sz="1351" dirty="0"/>
+              </a:p>
+            </p:txBody>
+          </p:sp>
+          <p:sp>
+            <p:nvSpPr>
+              <p:cNvPr id="47" name="矩形 46">
+                <a:extLst>
+                  <a:ext uri="{FF2B5EF4-FFF2-40B4-BE49-F238E27FC236}">
+                    <a16:creationId xmlns:a16="http://schemas.microsoft.com/office/drawing/2014/main" id="{F2AED2F9-0AB9-409C-972B-28C020E55C31}"/>
+                  </a:ext>
+                </a:extLst>
+              </p:cNvPr>
+              <p:cNvSpPr/>
+              <p:nvPr/>
+            </p:nvSpPr>
+            <p:spPr>
+              <a:xfrm>
+                <a:off x="1002973" y="2255175"/>
+                <a:ext cx="720000" cy="45719"/>
+              </a:xfrm>
+              <a:prstGeom prst="rect">
+                <a:avLst/>
+              </a:prstGeom>
+              <a:solidFill>
+                <a:schemeClr val="bg1">
+                  <a:lumMod val="65000"/>
+                </a:schemeClr>
+              </a:solidFill>
+              <a:ln>
+                <a:noFill/>
+              </a:ln>
+            </p:spPr>
+            <p:style>
+              <a:lnRef idx="2">
+                <a:schemeClr val="accent1">
+                  <a:shade val="50000"/>
+                </a:schemeClr>
+              </a:lnRef>
+              <a:fillRef idx="1">
+                <a:schemeClr val="accent1"/>
+              </a:fillRef>
+              <a:effectRef idx="0">
+                <a:schemeClr val="accent1"/>
+              </a:effectRef>
+              <a:fontRef idx="minor">
+                <a:schemeClr val="lt1"/>
+              </a:fontRef>
+            </p:style>
+            <p:txBody>
+              <a:bodyPr rtlCol="0" anchor="ctr"/>
+              <a:lstStyle/>
+              <a:p>
+                <a:pPr algn="ctr"/>
+                <a:r>
+                  <a:rPr lang="en-US" altLang="zh-CN" sz="1351" dirty="0"/>
+                  <a:t> </a:t>
+                </a:r>
+                <a:endParaRPr lang="zh-CN" altLang="en-US" sz="1351" dirty="0"/>
+              </a:p>
+            </p:txBody>
+          </p:sp>
+          <p:sp>
+            <p:nvSpPr>
+              <p:cNvPr id="48" name="矩形 47">
+                <a:extLst>
+                  <a:ext uri="{FF2B5EF4-FFF2-40B4-BE49-F238E27FC236}">
+                    <a16:creationId xmlns:a16="http://schemas.microsoft.com/office/drawing/2014/main" id="{ADA332F9-4D65-4DDE-83B3-3E719DFB650D}"/>
+                  </a:ext>
+                </a:extLst>
+              </p:cNvPr>
+              <p:cNvSpPr/>
+              <p:nvPr/>
+            </p:nvSpPr>
+            <p:spPr>
+              <a:xfrm>
+                <a:off x="1002973" y="2371367"/>
+                <a:ext cx="720000" cy="45719"/>
+              </a:xfrm>
+              <a:prstGeom prst="rect">
+                <a:avLst/>
+              </a:prstGeom>
+              <a:solidFill>
+                <a:schemeClr val="bg1">
+                  <a:lumMod val="65000"/>
+                </a:schemeClr>
+              </a:solidFill>
+              <a:ln>
+                <a:noFill/>
+              </a:ln>
+            </p:spPr>
+            <p:style>
+              <a:lnRef idx="2">
+                <a:schemeClr val="accent1">
+                  <a:shade val="50000"/>
+                </a:schemeClr>
+              </a:lnRef>
+              <a:fillRef idx="1">
+                <a:schemeClr val="accent1"/>
+              </a:fillRef>
+              <a:effectRef idx="0">
+                <a:schemeClr val="accent1"/>
+              </a:effectRef>
+              <a:fontRef idx="minor">
+                <a:schemeClr val="lt1"/>
+              </a:fontRef>
+            </p:style>
+            <p:txBody>
+              <a:bodyPr rtlCol="0" anchor="ctr"/>
+              <a:lstStyle/>
+              <a:p>
+                <a:pPr algn="ctr"/>
+                <a:r>
+                  <a:rPr lang="en-US" altLang="zh-CN" sz="1351" dirty="0"/>
+                  <a:t> </a:t>
+                </a:r>
+                <a:endParaRPr lang="zh-CN" altLang="en-US" sz="1351" dirty="0"/>
+              </a:p>
+            </p:txBody>
+          </p:sp>
+          <p:sp>
+            <p:nvSpPr>
+              <p:cNvPr id="49" name="矩形 48">
+                <a:extLst>
+                  <a:ext uri="{FF2B5EF4-FFF2-40B4-BE49-F238E27FC236}">
+                    <a16:creationId xmlns:a16="http://schemas.microsoft.com/office/drawing/2014/main" id="{4C31ACE1-AFBE-4EC3-A46A-B9C8010AE6CD}"/>
+                  </a:ext>
+                </a:extLst>
+              </p:cNvPr>
+              <p:cNvSpPr/>
+              <p:nvPr/>
+            </p:nvSpPr>
+            <p:spPr>
+              <a:xfrm>
+                <a:off x="1002973" y="2487558"/>
+                <a:ext cx="720000" cy="45719"/>
+              </a:xfrm>
+              <a:prstGeom prst="rect">
+                <a:avLst/>
+              </a:prstGeom>
+              <a:solidFill>
+                <a:schemeClr val="bg1">
+                  <a:lumMod val="65000"/>
+                </a:schemeClr>
+              </a:solidFill>
+              <a:ln>
+                <a:noFill/>
+              </a:ln>
+            </p:spPr>
+            <p:style>
+              <a:lnRef idx="2">
+                <a:schemeClr val="accent1">
+                  <a:shade val="50000"/>
+                </a:schemeClr>
+              </a:lnRef>
+              <a:fillRef idx="1">
+                <a:schemeClr val="accent1"/>
+              </a:fillRef>
+              <a:effectRef idx="0">
+                <a:schemeClr val="accent1"/>
+              </a:effectRef>
+              <a:fontRef idx="minor">
+                <a:schemeClr val="lt1"/>
+              </a:fontRef>
+            </p:style>
+            <p:txBody>
+              <a:bodyPr rtlCol="0" anchor="ctr"/>
+              <a:lstStyle/>
+              <a:p>
+                <a:pPr algn="ctr"/>
+                <a:r>
+                  <a:rPr lang="en-US" altLang="zh-CN" sz="1351" dirty="0"/>
+                  <a:t> </a:t>
+                </a:r>
+                <a:endParaRPr lang="zh-CN" altLang="en-US" sz="1351" dirty="0"/>
+              </a:p>
+            </p:txBody>
+          </p:sp>
+        </p:grpSp>
+      </p:grpSp>
+      <p:grpSp>
+        <p:nvGrpSpPr>
+          <p:cNvPr id="21" name="组合 20">
+            <a:extLst>
+              <a:ext uri="{FF2B5EF4-FFF2-40B4-BE49-F238E27FC236}">
+                <a16:creationId xmlns:a16="http://schemas.microsoft.com/office/drawing/2014/main" id="{2E3711F4-00D8-49B6-B871-A13D646DD7AE}"/>
+              </a:ext>
+            </a:extLst>
+          </p:cNvPr>
+          <p:cNvGrpSpPr/>
+          <p:nvPr/>
+        </p:nvGrpSpPr>
+        <p:grpSpPr>
+          <a:xfrm>
+            <a:off x="1598621" y="3060487"/>
+            <a:ext cx="732884" cy="537299"/>
+            <a:chOff x="1598621" y="3060487"/>
+            <a:chExt cx="732884" cy="537299"/>
+          </a:xfrm>
+        </p:grpSpPr>
+        <p:sp>
+          <p:nvSpPr>
+            <p:cNvPr id="52" name="矩形 51">
+              <a:extLst>
+                <a:ext uri="{FF2B5EF4-FFF2-40B4-BE49-F238E27FC236}">
+                  <a16:creationId xmlns:a16="http://schemas.microsoft.com/office/drawing/2014/main" id="{E192DA87-D2B0-4F11-8288-F8BABD33302D}"/>
+                </a:ext>
+              </a:extLst>
+            </p:cNvPr>
+            <p:cNvSpPr/>
+            <p:nvPr/>
+          </p:nvSpPr>
+          <p:spPr>
+            <a:xfrm>
+              <a:off x="1598621" y="3060487"/>
+              <a:ext cx="732884" cy="537299"/>
+            </a:xfrm>
+            <a:prstGeom prst="rect">
+              <a:avLst/>
+            </a:prstGeom>
+            <a:solidFill>
+              <a:srgbClr val="E6E6E6"/>
+            </a:solidFill>
+            <a:ln>
+              <a:noFill/>
+            </a:ln>
+          </p:spPr>
+          <p:style>
+            <a:lnRef idx="2">
+              <a:schemeClr val="accent1">
+                <a:shade val="50000"/>
+              </a:schemeClr>
+            </a:lnRef>
+            <a:fillRef idx="1">
+              <a:schemeClr val="accent1"/>
+            </a:fillRef>
+            <a:effectRef idx="0">
+              <a:schemeClr val="accent1"/>
+            </a:effectRef>
+            <a:fontRef idx="minor">
+              <a:schemeClr val="lt1"/>
+            </a:fontRef>
+          </p:style>
+          <p:txBody>
+            <a:bodyPr rtlCol="0" anchor="ctr"/>
+            <a:lstStyle/>
+            <a:p>
+              <a:pPr algn="ctr"/>
+              <a:endParaRPr lang="zh-CN" altLang="en-US" sz="1351" dirty="0"/>
+            </a:p>
+          </p:txBody>
+        </p:sp>
+        <p:sp>
+          <p:nvSpPr>
+            <p:cNvPr id="53" name="矩形 52">
+              <a:extLst>
+                <a:ext uri="{FF2B5EF4-FFF2-40B4-BE49-F238E27FC236}">
+                  <a16:creationId xmlns:a16="http://schemas.microsoft.com/office/drawing/2014/main" id="{1D442BA1-A2F2-4E19-9792-1881648D00E6}"/>
+                </a:ext>
+              </a:extLst>
+            </p:cNvPr>
+            <p:cNvSpPr/>
+            <p:nvPr/>
+          </p:nvSpPr>
+          <p:spPr>
+            <a:xfrm>
+              <a:off x="1702262" y="3196421"/>
+              <a:ext cx="525600" cy="360000"/>
+            </a:xfrm>
+            <a:prstGeom prst="rect">
+              <a:avLst/>
+            </a:prstGeom>
+            <a:solidFill>
+              <a:schemeClr val="bg1"/>
+            </a:solidFill>
+            <a:ln>
+              <a:noFill/>
+            </a:ln>
+          </p:spPr>
+          <p:style>
+            <a:lnRef idx="2">
+              <a:schemeClr val="accent1">
+                <a:shade val="50000"/>
+              </a:schemeClr>
+            </a:lnRef>
+            <a:fillRef idx="1">
+              <a:schemeClr val="accent1"/>
+            </a:fillRef>
+            <a:effectRef idx="0">
+              <a:schemeClr val="accent1"/>
+            </a:effectRef>
+            <a:fontRef idx="minor">
+              <a:schemeClr val="lt1"/>
+            </a:fontRef>
+          </p:style>
+          <p:txBody>
+            <a:bodyPr rtlCol="0" anchor="ctr"/>
+            <a:lstStyle/>
+            <a:p>
+              <a:pPr algn="ctr"/>
+              <a:endParaRPr lang="zh-CN" altLang="en-US" sz="1351" dirty="0"/>
+            </a:p>
+          </p:txBody>
+        </p:sp>
+        <p:grpSp>
+          <p:nvGrpSpPr>
+            <p:cNvPr id="54" name="组合 53">
+              <a:extLst>
+                <a:ext uri="{FF2B5EF4-FFF2-40B4-BE49-F238E27FC236}">
+                  <a16:creationId xmlns:a16="http://schemas.microsoft.com/office/drawing/2014/main" id="{99C2C59F-2280-44E5-994B-CC9387A52B96}"/>
+                </a:ext>
+              </a:extLst>
+            </p:cNvPr>
+            <p:cNvGrpSpPr/>
+            <p:nvPr/>
+          </p:nvGrpSpPr>
+          <p:grpSpPr>
+            <a:xfrm>
+              <a:off x="1749062" y="3251603"/>
+              <a:ext cx="432000" cy="267294"/>
+              <a:chOff x="1872245" y="2488245"/>
+              <a:chExt cx="432000" cy="267294"/>
+            </a:xfrm>
+          </p:grpSpPr>
+          <p:sp>
+            <p:nvSpPr>
+              <p:cNvPr id="56" name="矩形 55">
+                <a:extLst>
+                  <a:ext uri="{FF2B5EF4-FFF2-40B4-BE49-F238E27FC236}">
+                    <a16:creationId xmlns:a16="http://schemas.microsoft.com/office/drawing/2014/main" id="{C102756A-7699-4C33-89B9-A67264D6E1E5}"/>
+                  </a:ext>
+                </a:extLst>
+              </p:cNvPr>
+              <p:cNvSpPr/>
+              <p:nvPr/>
+            </p:nvSpPr>
+            <p:spPr>
+              <a:xfrm>
+                <a:off x="1872245" y="2488245"/>
+                <a:ext cx="432000" cy="34289"/>
+              </a:xfrm>
+              <a:prstGeom prst="rect">
+                <a:avLst/>
+              </a:prstGeom>
+              <a:solidFill>
+                <a:schemeClr val="bg1">
+                  <a:lumMod val="65000"/>
+                </a:schemeClr>
+              </a:solidFill>
+              <a:ln>
+                <a:noFill/>
+              </a:ln>
+            </p:spPr>
+            <p:style>
+              <a:lnRef idx="2">
+                <a:schemeClr val="accent1">
+                  <a:shade val="50000"/>
+                </a:schemeClr>
+              </a:lnRef>
+              <a:fillRef idx="1">
+                <a:schemeClr val="accent1"/>
+              </a:fillRef>
+              <a:effectRef idx="0">
+                <a:schemeClr val="accent1"/>
+              </a:effectRef>
+              <a:fontRef idx="minor">
+                <a:schemeClr val="lt1"/>
+              </a:fontRef>
+            </p:style>
+            <p:txBody>
+              <a:bodyPr rtlCol="0" anchor="ctr"/>
+              <a:lstStyle/>
+              <a:p>
+                <a:pPr algn="ctr"/>
+                <a:r>
+                  <a:rPr lang="en-US" altLang="zh-CN" sz="1351" dirty="0"/>
+                  <a:t> </a:t>
+                </a:r>
+                <a:endParaRPr lang="zh-CN" altLang="en-US" sz="1351" dirty="0"/>
+              </a:p>
+            </p:txBody>
+          </p:sp>
+          <p:sp>
+            <p:nvSpPr>
+              <p:cNvPr id="57" name="矩形 56">
+                <a:extLst>
+                  <a:ext uri="{FF2B5EF4-FFF2-40B4-BE49-F238E27FC236}">
+                    <a16:creationId xmlns:a16="http://schemas.microsoft.com/office/drawing/2014/main" id="{EC5C7094-0DCB-43B2-A570-2511C3663463}"/>
+                  </a:ext>
+                </a:extLst>
+              </p:cNvPr>
+              <p:cNvSpPr/>
+              <p:nvPr/>
+            </p:nvSpPr>
+            <p:spPr>
+              <a:xfrm>
+                <a:off x="1872245" y="2565913"/>
+                <a:ext cx="432000" cy="34289"/>
+              </a:xfrm>
+              <a:prstGeom prst="rect">
+                <a:avLst/>
+              </a:prstGeom>
+              <a:solidFill>
+                <a:schemeClr val="bg1">
+                  <a:lumMod val="65000"/>
+                </a:schemeClr>
+              </a:solidFill>
+              <a:ln>
+                <a:noFill/>
+              </a:ln>
+            </p:spPr>
+            <p:style>
+              <a:lnRef idx="2">
+                <a:schemeClr val="accent1">
+                  <a:shade val="50000"/>
+                </a:schemeClr>
+              </a:lnRef>
+              <a:fillRef idx="1">
+                <a:schemeClr val="accent1"/>
+              </a:fillRef>
+              <a:effectRef idx="0">
+                <a:schemeClr val="accent1"/>
+              </a:effectRef>
+              <a:fontRef idx="minor">
+                <a:schemeClr val="lt1"/>
+              </a:fontRef>
+            </p:style>
+            <p:txBody>
+              <a:bodyPr rtlCol="0" anchor="ctr"/>
+              <a:lstStyle/>
+              <a:p>
+                <a:pPr algn="ctr"/>
+                <a:r>
+                  <a:rPr lang="en-US" altLang="zh-CN" sz="1351" dirty="0"/>
+                  <a:t> </a:t>
+                </a:r>
+                <a:endParaRPr lang="zh-CN" altLang="en-US" sz="1351" dirty="0"/>
+              </a:p>
+            </p:txBody>
+          </p:sp>
+          <p:sp>
+            <p:nvSpPr>
+              <p:cNvPr id="58" name="矩形 57">
+                <a:extLst>
+                  <a:ext uri="{FF2B5EF4-FFF2-40B4-BE49-F238E27FC236}">
+                    <a16:creationId xmlns:a16="http://schemas.microsoft.com/office/drawing/2014/main" id="{E1AA304C-E6A6-4A25-A782-1EEDA10AD82F}"/>
+                  </a:ext>
+                </a:extLst>
+              </p:cNvPr>
+              <p:cNvSpPr/>
+              <p:nvPr/>
+            </p:nvSpPr>
+            <p:spPr>
+              <a:xfrm>
+                <a:off x="1872245" y="2643581"/>
+                <a:ext cx="432000" cy="34289"/>
+              </a:xfrm>
+              <a:prstGeom prst="rect">
+                <a:avLst/>
+              </a:prstGeom>
+              <a:solidFill>
+                <a:schemeClr val="bg1">
+                  <a:lumMod val="65000"/>
+                </a:schemeClr>
+              </a:solidFill>
+              <a:ln>
+                <a:noFill/>
+              </a:ln>
+            </p:spPr>
+            <p:style>
+              <a:lnRef idx="2">
+                <a:schemeClr val="accent1">
+                  <a:shade val="50000"/>
+                </a:schemeClr>
+              </a:lnRef>
+              <a:fillRef idx="1">
+                <a:schemeClr val="accent1"/>
+              </a:fillRef>
+              <a:effectRef idx="0">
+                <a:schemeClr val="accent1"/>
+              </a:effectRef>
+              <a:fontRef idx="minor">
+                <a:schemeClr val="lt1"/>
+              </a:fontRef>
+            </p:style>
+            <p:txBody>
+              <a:bodyPr rtlCol="0" anchor="ctr"/>
+              <a:lstStyle/>
+              <a:p>
+                <a:pPr algn="ctr"/>
+                <a:r>
+                  <a:rPr lang="en-US" altLang="zh-CN" sz="1351" dirty="0"/>
+                  <a:t> </a:t>
+                </a:r>
+                <a:endParaRPr lang="zh-CN" altLang="en-US" sz="1351" dirty="0"/>
+              </a:p>
+            </p:txBody>
+          </p:sp>
+          <p:sp>
+            <p:nvSpPr>
+              <p:cNvPr id="59" name="矩形 58">
+                <a:extLst>
+                  <a:ext uri="{FF2B5EF4-FFF2-40B4-BE49-F238E27FC236}">
+                    <a16:creationId xmlns:a16="http://schemas.microsoft.com/office/drawing/2014/main" id="{EEA500E3-52A1-474C-815E-222BFFB77043}"/>
+                  </a:ext>
+                </a:extLst>
+              </p:cNvPr>
+              <p:cNvSpPr/>
+              <p:nvPr/>
+            </p:nvSpPr>
+            <p:spPr>
+              <a:xfrm>
+                <a:off x="1872245" y="2721250"/>
+                <a:ext cx="432000" cy="34289"/>
+              </a:xfrm>
+              <a:prstGeom prst="rect">
+                <a:avLst/>
+              </a:prstGeom>
+              <a:solidFill>
+                <a:schemeClr val="bg1">
+                  <a:lumMod val="65000"/>
+                </a:schemeClr>
+              </a:solidFill>
+              <a:ln>
+                <a:noFill/>
+              </a:ln>
+            </p:spPr>
+            <p:style>
+              <a:lnRef idx="2">
+                <a:schemeClr val="accent1">
+                  <a:shade val="50000"/>
+                </a:schemeClr>
+              </a:lnRef>
+              <a:fillRef idx="1">
+                <a:schemeClr val="accent1"/>
+              </a:fillRef>
+              <a:effectRef idx="0">
+                <a:schemeClr val="accent1"/>
+              </a:effectRef>
+              <a:fontRef idx="minor">
+                <a:schemeClr val="lt1"/>
+              </a:fontRef>
+            </p:style>
+            <p:txBody>
+              <a:bodyPr rtlCol="0" anchor="ctr"/>
+              <a:lstStyle/>
+              <a:p>
+                <a:pPr algn="ctr"/>
+                <a:r>
+                  <a:rPr lang="en-US" altLang="zh-CN" sz="1351" dirty="0"/>
+                  <a:t> </a:t>
+                </a:r>
+                <a:endParaRPr lang="zh-CN" altLang="en-US" sz="1351" dirty="0"/>
+              </a:p>
+            </p:txBody>
+          </p:sp>
+        </p:grpSp>
+        <p:sp>
+          <p:nvSpPr>
+            <p:cNvPr id="55" name="矩形 54">
+              <a:extLst>
+                <a:ext uri="{FF2B5EF4-FFF2-40B4-BE49-F238E27FC236}">
+                  <a16:creationId xmlns:a16="http://schemas.microsoft.com/office/drawing/2014/main" id="{CD31DE9A-8FBC-4ACF-817E-3B6E7B20AD79}"/>
+                </a:ext>
+              </a:extLst>
+            </p:cNvPr>
+            <p:cNvSpPr/>
+            <p:nvPr/>
+          </p:nvSpPr>
+          <p:spPr>
+            <a:xfrm>
+              <a:off x="1702262" y="3091984"/>
+              <a:ext cx="525600" cy="103396"/>
+            </a:xfrm>
+            <a:prstGeom prst="rect">
+              <a:avLst/>
+            </a:prstGeom>
+            <a:solidFill>
+              <a:schemeClr val="bg1">
+                <a:lumMod val="50000"/>
+              </a:schemeClr>
+            </a:solidFill>
+            <a:ln>
+              <a:noFill/>
+            </a:ln>
+          </p:spPr>
+          <p:style>
+            <a:lnRef idx="2">
+              <a:schemeClr val="accent1">
+                <a:shade val="50000"/>
+              </a:schemeClr>
+            </a:lnRef>
+            <a:fillRef idx="1">
+              <a:schemeClr val="accent1"/>
+            </a:fillRef>
+            <a:effectRef idx="0">
+              <a:schemeClr val="accent1"/>
+            </a:effectRef>
+            <a:fontRef idx="minor">
+              <a:schemeClr val="lt1"/>
+            </a:fontRef>
+          </p:style>
+          <p:txBody>
+            <a:bodyPr rtlCol="0" anchor="ctr"/>
+            <a:lstStyle/>
+            <a:p>
+              <a:pPr algn="ctr"/>
+              <a:endParaRPr lang="zh-CN" altLang="en-US" sz="1351" dirty="0"/>
+            </a:p>
+          </p:txBody>
+        </p:sp>
+      </p:grpSp>
     </p:spTree>
     <p:extLst>
       <p:ext uri="{BB962C8B-B14F-4D97-AF65-F5344CB8AC3E}">
